--- a/presentation/know_b4_u_go (Eric - Crime Map).pptx
+++ b/presentation/know_b4_u_go (Eric - Crime Map).pptx
@@ -153,8 +153,46 @@
 <p1510:revInfo xmlns:a="http://schemas.openxmlformats.org/drawingml/2006/main" xmlns:r="http://schemas.openxmlformats.org/officeDocument/2006/relationships" xmlns:p1510="http://schemas.microsoft.com/office/powerpoint/2015/10/main">
   <p1510:revLst>
     <p1510:client id="{79A9F1CB-2C69-41EF-8076-747842C8C931}" v="2" dt="2019-05-07T00:33:21.409"/>
+    <p1510:client id="{8FE7AB93-AF19-46C2-A6AC-8CAF852693FA}" v="1" dt="2019-05-07T18:25:39.757"/>
   </p1510:revLst>
 </p1510:revInfo>
+</file>
+
+<file path=ppt/changesInfos/changesInfo1.xml><?xml version="1.0" encoding="utf-8"?>
+<pc:chgInfo xmlns:a="http://schemas.openxmlformats.org/drawingml/2006/main" xmlns:r="http://schemas.openxmlformats.org/officeDocument/2006/relationships" xmlns:ac="http://schemas.microsoft.com/office/drawing/2013/main/command" xmlns:pc="http://schemas.microsoft.com/office/powerpoint/2013/main/command">
+  <pc:docChgLst>
+    <pc:chgData name="Amanda Wishnie" userId="9233a93bc91cf3d3" providerId="LiveId" clId="{8FE7AB93-AF19-46C2-A6AC-8CAF852693FA}"/>
+    <pc:docChg chg="custSel modSld">
+      <pc:chgData name="Amanda Wishnie" userId="9233a93bc91cf3d3" providerId="LiveId" clId="{8FE7AB93-AF19-46C2-A6AC-8CAF852693FA}" dt="2019-05-07T18:26:51.204" v="24" actId="1076"/>
+      <pc:docMkLst>
+        <pc:docMk/>
+      </pc:docMkLst>
+      <pc:sldChg chg="addSp delSp modSp">
+        <pc:chgData name="Amanda Wishnie" userId="9233a93bc91cf3d3" providerId="LiveId" clId="{8FE7AB93-AF19-46C2-A6AC-8CAF852693FA}" dt="2019-05-07T18:26:51.204" v="24" actId="1076"/>
+        <pc:sldMkLst>
+          <pc:docMk/>
+          <pc:sldMk cId="2351801544" sldId="274"/>
+        </pc:sldMkLst>
+        <pc:picChg chg="add del mod ord">
+          <ac:chgData name="Amanda Wishnie" userId="9233a93bc91cf3d3" providerId="LiveId" clId="{8FE7AB93-AF19-46C2-A6AC-8CAF852693FA}" dt="2019-05-07T18:26:40.028" v="19" actId="478"/>
+          <ac:picMkLst>
+            <pc:docMk/>
+            <pc:sldMk cId="2351801544" sldId="274"/>
+            <ac:picMk id="3" creationId="{061EB246-5906-402C-9D20-43D23923E6E9}"/>
+          </ac:picMkLst>
+        </pc:picChg>
+        <pc:picChg chg="mod">
+          <ac:chgData name="Amanda Wishnie" userId="9233a93bc91cf3d3" providerId="LiveId" clId="{8FE7AB93-AF19-46C2-A6AC-8CAF852693FA}" dt="2019-05-07T18:26:51.204" v="24" actId="1076"/>
+          <ac:picMkLst>
+            <pc:docMk/>
+            <pc:sldMk cId="2351801544" sldId="274"/>
+            <ac:picMk id="5" creationId="{AC04DEE2-347A-4B81-B8F6-37327E3AFA4E}"/>
+          </ac:picMkLst>
+        </pc:picChg>
+      </pc:sldChg>
+    </pc:docChg>
+  </pc:docChgLst>
+</pc:chgInfo>
 </file>
 
 <file path=ppt/diagrams/colors1.xml><?xml version="1.0" encoding="utf-8"?>
@@ -13011,7 +13049,7 @@
           <a:p>
             <a:fld id="{128FCA9C-FF92-4024-BDEC-A6D3B663DC09}" type="datetimeFigureOut">
               <a:rPr lang="en-US"/>
-              <a:t>5/6/2019</a:t>
+              <a:t>5/7/2019</a:t>
             </a:fld>
             <a:endParaRPr/>
           </a:p>
@@ -13176,7 +13214,7 @@
           <a:p>
             <a:fld id="{772AB877-E7B1-4681-847E-D0918612832B}" type="datetimeFigureOut">
               <a:rPr lang="en-US"/>
-              <a:t>5/6/2019</a:t>
+              <a:t>5/7/2019</a:t>
             </a:fld>
             <a:endParaRPr/>
           </a:p>
@@ -14248,7 +14286,7 @@
           <a:p>
             <a:fld id="{48A87A34-81AB-432B-8DAE-1953F412C126}" type="datetimeFigureOut">
               <a:rPr lang="en-US" dirty="0"/>
-              <a:t>5/6/2019</a:t>
+              <a:t>5/7/2019</a:t>
             </a:fld>
             <a:endParaRPr lang="en-US" dirty="0"/>
           </a:p>
@@ -14471,7 +14509,7 @@
           <a:p>
             <a:fld id="{EDF33987-6305-4E2A-BF18-EF013ECE927B}" type="datetimeFigureOut">
               <a:rPr lang="en-US" smtClean="0"/>
-              <a:t>5/6/2019</a:t>
+              <a:t>5/7/2019</a:t>
             </a:fld>
             <a:endParaRPr lang="en-US"/>
           </a:p>
@@ -14702,7 +14740,7 @@
           <a:p>
             <a:fld id="{EDF33987-6305-4E2A-BF18-EF013ECE927B}" type="datetimeFigureOut">
               <a:rPr lang="en-US" smtClean="0"/>
-              <a:t>5/6/2019</a:t>
+              <a:t>5/7/2019</a:t>
             </a:fld>
             <a:endParaRPr lang="en-US"/>
           </a:p>
@@ -15150,7 +15188,7 @@
           <a:p>
             <a:fld id="{EDF33987-6305-4E2A-BF18-EF013ECE927B}" type="datetimeFigureOut">
               <a:rPr lang="en-US" smtClean="0"/>
-              <a:t>5/6/2019</a:t>
+              <a:t>5/7/2019</a:t>
             </a:fld>
             <a:endParaRPr lang="en-US"/>
           </a:p>
@@ -15971,7 +16009,7 @@
           <a:p>
             <a:fld id="{EDF33987-6305-4E2A-BF18-EF013ECE927B}" type="datetimeFigureOut">
               <a:rPr lang="en-US" smtClean="0"/>
-              <a:t>5/6/2019</a:t>
+              <a:t>5/7/2019</a:t>
             </a:fld>
             <a:endParaRPr lang="en-US"/>
           </a:p>
@@ -16238,7 +16276,7 @@
           <a:p>
             <a:fld id="{EDF33987-6305-4E2A-BF18-EF013ECE927B}" type="datetimeFigureOut">
               <a:rPr lang="en-US" smtClean="0"/>
-              <a:t>5/6/2019</a:t>
+              <a:t>5/7/2019</a:t>
             </a:fld>
             <a:endParaRPr lang="en-US"/>
           </a:p>
@@ -16699,7 +16737,7 @@
           <a:p>
             <a:fld id="{EDF33987-6305-4E2A-BF18-EF013ECE927B}" type="datetimeFigureOut">
               <a:rPr lang="en-US" smtClean="0"/>
-              <a:t>5/6/2019</a:t>
+              <a:t>5/7/2019</a:t>
             </a:fld>
             <a:endParaRPr lang="en-US"/>
           </a:p>
@@ -17042,7 +17080,7 @@
             <a:fld id="{EDF33987-6305-4E2A-BF18-EF013ECE927B}" type="datetimeFigureOut">
               <a:rPr lang="en-US" smtClean="0"/>
               <a:pPr/>
-              <a:t>5/6/2019</a:t>
+              <a:t>5/7/2019</a:t>
             </a:fld>
             <a:endParaRPr lang="en-US"/>
           </a:p>
@@ -18688,8 +18726,8 @@
         </p:blipFill>
         <p:spPr>
           <a:xfrm>
-            <a:off x="989012" y="990600"/>
-            <a:ext cx="10323327" cy="4836365"/>
+            <a:off x="608012" y="762000"/>
+            <a:ext cx="11265620" cy="5277819"/>
           </a:xfrm>
           <a:prstGeom prst="rect">
             <a:avLst/>
